--- a/doc/slides/day2/session3/RCS.pptx
+++ b/doc/slides/day2/session3/RCS.pptx
@@ -205,7 +205,7 @@
             <a:fld id="{D82FF0E2-E47A-A340-9B4D-91808E467950}" type="datetimeFigureOut">
               <a:rPr lang="en-US" smtClean="0"/>
               <a:pPr/>
-              <a:t>9/7/12</a:t>
+              <a:t>9/8/12</a:t>
             </a:fld>
             <a:endParaRPr lang="en-US"/>
           </a:p>
@@ -857,7 +857,7 @@
             <a:fld id="{C5F836F2-CA5C-0245-8085-6BA20A5317C4}" type="datetimeFigureOut">
               <a:rPr lang="en-US" smtClean="0"/>
               <a:pPr/>
-              <a:t>9/7/12</a:t>
+              <a:t>9/8/12</a:t>
             </a:fld>
             <a:endParaRPr lang="en-US"/>
           </a:p>
@@ -1024,7 +1024,7 @@
             <a:fld id="{C5F836F2-CA5C-0245-8085-6BA20A5317C4}" type="datetimeFigureOut">
               <a:rPr lang="en-US" smtClean="0"/>
               <a:pPr/>
-              <a:t>9/7/12</a:t>
+              <a:t>9/8/12</a:t>
             </a:fld>
             <a:endParaRPr lang="en-US"/>
           </a:p>
@@ -1201,7 +1201,7 @@
             <a:fld id="{C5F836F2-CA5C-0245-8085-6BA20A5317C4}" type="datetimeFigureOut">
               <a:rPr lang="en-US" smtClean="0"/>
               <a:pPr/>
-              <a:t>9/7/12</a:t>
+              <a:t>9/8/12</a:t>
             </a:fld>
             <a:endParaRPr lang="en-US"/>
           </a:p>
@@ -1368,7 +1368,7 @@
             <a:fld id="{C5F836F2-CA5C-0245-8085-6BA20A5317C4}" type="datetimeFigureOut">
               <a:rPr lang="en-US" smtClean="0"/>
               <a:pPr/>
-              <a:t>9/7/12</a:t>
+              <a:t>9/8/12</a:t>
             </a:fld>
             <a:endParaRPr lang="en-US"/>
           </a:p>
@@ -1611,7 +1611,7 @@
             <a:fld id="{C5F836F2-CA5C-0245-8085-6BA20A5317C4}" type="datetimeFigureOut">
               <a:rPr lang="en-US" smtClean="0"/>
               <a:pPr/>
-              <a:t>9/7/12</a:t>
+              <a:t>9/8/12</a:t>
             </a:fld>
             <a:endParaRPr lang="en-US"/>
           </a:p>
@@ -1896,7 +1896,7 @@
             <a:fld id="{C5F836F2-CA5C-0245-8085-6BA20A5317C4}" type="datetimeFigureOut">
               <a:rPr lang="en-US" smtClean="0"/>
               <a:pPr/>
-              <a:t>9/7/12</a:t>
+              <a:t>9/8/12</a:t>
             </a:fld>
             <a:endParaRPr lang="en-US"/>
           </a:p>
@@ -2315,7 +2315,7 @@
             <a:fld id="{C5F836F2-CA5C-0245-8085-6BA20A5317C4}" type="datetimeFigureOut">
               <a:rPr lang="en-US" smtClean="0"/>
               <a:pPr/>
-              <a:t>9/7/12</a:t>
+              <a:t>9/8/12</a:t>
             </a:fld>
             <a:endParaRPr lang="en-US"/>
           </a:p>
@@ -2430,7 +2430,7 @@
             <a:fld id="{C5F836F2-CA5C-0245-8085-6BA20A5317C4}" type="datetimeFigureOut">
               <a:rPr lang="en-US" smtClean="0"/>
               <a:pPr/>
-              <a:t>9/7/12</a:t>
+              <a:t>9/8/12</a:t>
             </a:fld>
             <a:endParaRPr lang="en-US"/>
           </a:p>
@@ -2522,7 +2522,7 @@
             <a:fld id="{C5F836F2-CA5C-0245-8085-6BA20A5317C4}" type="datetimeFigureOut">
               <a:rPr lang="en-US" smtClean="0"/>
               <a:pPr/>
-              <a:t>9/7/12</a:t>
+              <a:t>9/8/12</a:t>
             </a:fld>
             <a:endParaRPr lang="en-US"/>
           </a:p>
@@ -2796,7 +2796,7 @@
             <a:fld id="{C5F836F2-CA5C-0245-8085-6BA20A5317C4}" type="datetimeFigureOut">
               <a:rPr lang="en-US" smtClean="0"/>
               <a:pPr/>
-              <a:t>9/7/12</a:t>
+              <a:t>9/8/12</a:t>
             </a:fld>
             <a:endParaRPr lang="en-US"/>
           </a:p>
@@ -3046,7 +3046,7 @@
             <a:fld id="{C5F836F2-CA5C-0245-8085-6BA20A5317C4}" type="datetimeFigureOut">
               <a:rPr lang="en-US" smtClean="0"/>
               <a:pPr/>
-              <a:t>9/7/12</a:t>
+              <a:t>9/8/12</a:t>
             </a:fld>
             <a:endParaRPr lang="en-US"/>
           </a:p>
@@ -3256,7 +3256,7 @@
             <a:fld id="{C5F836F2-CA5C-0245-8085-6BA20A5317C4}" type="datetimeFigureOut">
               <a:rPr lang="en-US" smtClean="0"/>
               <a:pPr/>
-              <a:t>9/7/12</a:t>
+              <a:t>9/8/12</a:t>
             </a:fld>
             <a:endParaRPr lang="en-US"/>
           </a:p>
@@ -3640,34 +3640,34 @@
         <p:spPr/>
         <p:txBody>
           <a:bodyPr>
-            <a:normAutofit fontScale="90000"/>
+            <a:normAutofit/>
           </a:bodyPr>
           <a:lstStyle/>
           <a:p>
             <a:r>
               <a:rPr lang="en-US" dirty="0" smtClean="0"/>
-              <a:t>Version control </a:t>
-            </a:r>
-            <a:r>
-              <a:rPr lang="en-US" dirty="0" smtClean="0"/>
-              <a:t>systems</a:t>
+              <a:t>Version</a:t>
+            </a:r>
+            <a:r>
+              <a:rPr lang="en-US" dirty="0" smtClean="0"/>
+              <a:t> Control</a:t>
+            </a:r>
+            <a:r>
+              <a:rPr lang="en-US" sz="3556" dirty="0" smtClean="0"/>
+              <a:t/>
             </a:r>
             <a:br>
-              <a:rPr lang="en-US" dirty="0" smtClean="0"/>
+              <a:rPr lang="en-US" sz="3556" dirty="0" smtClean="0"/>
             </a:br>
             <a:r>
-              <a:rPr lang="en-US" dirty="0" smtClean="0"/>
-              <a:t>(Revision control, Source </a:t>
-            </a:r>
-            <a:r>
-              <a:rPr lang="en-US" dirty="0" smtClean="0"/>
-              <a:t>c</a:t>
-            </a:r>
-            <a:r>
-              <a:rPr lang="en-US" dirty="0" smtClean="0"/>
-              <a:t>ontrol management)</a:t>
-            </a:r>
-            <a:endParaRPr lang="en-US" dirty="0"/>
+              <a:rPr lang="en-US" sz="2800" dirty="0" smtClean="0"/>
+              <a:t>aka: Source </a:t>
+            </a:r>
+            <a:r>
+              <a:rPr lang="en-US" sz="2800" dirty="0" smtClean="0"/>
+              <a:t>Control Management</a:t>
+            </a:r>
+            <a:endParaRPr lang="en-US" sz="2800" dirty="0"/>
           </a:p>
         </p:txBody>
       </p:sp>
@@ -3688,7 +3688,11 @@
           <a:p>
             <a:r>
               <a:rPr lang="en-US" dirty="0" smtClean="0"/>
-              <a:t>12 September 2012, 16.30-18.00</a:t>
+              <a:t>12 September 2012,</a:t>
+            </a:r>
+            <a:r>
+              <a:rPr lang="en-US" dirty="0" smtClean="0"/>
+              <a:t> 14:00-16:00</a:t>
             </a:r>
             <a:endParaRPr lang="en-US" dirty="0"/>
           </a:p>
